--- a/Powercli/VMwareExplore_2024/PowerCLI_301/CODE1745LV - PowerCLI 301 - Functions Upon Functions.pptx
+++ b/Powercli/VMwareExplore_2024/PowerCLI_301/CODE1745LV - PowerCLI 301 - Functions Upon Functions.pptx
@@ -275,7 +275,7 @@
               <a:rPr lang="en-US" smtClean="0">
                 <a:latin typeface="Metropolis" panose="00000500000000000000" pitchFamily="50" charset="0"/>
               </a:rPr>
-              <a:t>8/18/2024</a:t>
+              <a:t>8/26/2024</a:t>
             </a:fld>
             <a:endParaRPr lang="en-US">
               <a:latin typeface="Metropolis" panose="00000500000000000000" pitchFamily="50" charset="0"/>
@@ -453,7 +453,7 @@
             <a:fld id="{3CB6F0DB-E055-41D0-9102-627A646E4242}" type="datetimeFigureOut">
               <a:rPr lang="en-US" smtClean="0"/>
               <a:pPr/>
-              <a:t>8/18/2024</a:t>
+              <a:t>8/26/2024</a:t>
             </a:fld>
             <a:endParaRPr lang="en-US"/>
           </a:p>
@@ -866,7 +866,7 @@
           <a:blip r:embed="rId3">
             <a:extLst>
               <a:ext uri="{96DAC541-7B7A-43D3-8B79-37D633B846F1}">
-                <asvg:svgBlip xmlns="" xmlns:asvg="http://schemas.microsoft.com/office/drawing/2016/SVG/main" r:embed="rId4"/>
+                <asvg:svgBlip xmlns:asvg="http://schemas.microsoft.com/office/drawing/2016/SVG/main" xmlns="" r:embed="rId4"/>
               </a:ext>
             </a:extLst>
           </a:blip>
@@ -1429,7 +1429,7 @@
                 <a16:creationId xmlns:a16="http://schemas.microsoft.com/office/drawing/2014/main" id="{AA1B5F83-A93D-544C-8DB4-B164DBF2F72D}"/>
               </a:ext>
               <a:ext uri="{C183D7F6-B498-43B3-948B-1728B52AA6E4}">
-                <adec:decorative xmlns="" xmlns:adec="http://schemas.microsoft.com/office/drawing/2017/decorative" val="1"/>
+                <adec:decorative xmlns:adec="http://schemas.microsoft.com/office/drawing/2017/decorative" xmlns="" val="1"/>
               </a:ext>
             </a:extLst>
           </p:cNvPr>
@@ -1641,7 +1641,7 @@
                 <a16:creationId xmlns:a16="http://schemas.microsoft.com/office/drawing/2014/main" id="{417D4F8B-2025-D14C-A41E-9C0B401DE6B0}"/>
               </a:ext>
               <a:ext uri="{C183D7F6-B498-43B3-948B-1728B52AA6E4}">
-                <adec:decorative xmlns="" xmlns:adec="http://schemas.microsoft.com/office/drawing/2017/decorative" val="1"/>
+                <adec:decorative xmlns:adec="http://schemas.microsoft.com/office/drawing/2017/decorative" xmlns="" val="1"/>
               </a:ext>
             </a:extLst>
           </p:cNvPr>
@@ -2107,7 +2107,7 @@
                 <a16:creationId xmlns:a16="http://schemas.microsoft.com/office/drawing/2014/main" id="{B164666E-28C9-844E-91D8-ECA2F1E57595}"/>
               </a:ext>
               <a:ext uri="{C183D7F6-B498-43B3-948B-1728B52AA6E4}">
-                <adec:decorative xmlns="" xmlns:adec="http://schemas.microsoft.com/office/drawing/2017/decorative" val="1"/>
+                <adec:decorative xmlns:adec="http://schemas.microsoft.com/office/drawing/2017/decorative" xmlns="" val="1"/>
               </a:ext>
             </a:extLst>
           </p:cNvPr>
@@ -2320,7 +2320,7 @@
                 <a16:creationId xmlns:a16="http://schemas.microsoft.com/office/drawing/2014/main" id="{97B963A1-3810-7A40-8918-6D6D68B4A836}"/>
               </a:ext>
               <a:ext uri="{C183D7F6-B498-43B3-948B-1728B52AA6E4}">
-                <adec:decorative xmlns="" xmlns:adec="http://schemas.microsoft.com/office/drawing/2017/decorative" val="1"/>
+                <adec:decorative xmlns:adec="http://schemas.microsoft.com/office/drawing/2017/decorative" xmlns="" val="1"/>
               </a:ext>
             </a:extLst>
           </p:cNvPr>
@@ -2442,7 +2442,7 @@
                 <a16:creationId xmlns:a16="http://schemas.microsoft.com/office/drawing/2014/main" id="{E17DA4B3-27AC-8A64-FD5E-59AEAE0D8559}"/>
               </a:ext>
               <a:ext uri="{C183D7F6-B498-43B3-948B-1728B52AA6E4}">
-                <adec:decorative xmlns="" xmlns:adec="http://schemas.microsoft.com/office/drawing/2017/decorative" val="1"/>
+                <adec:decorative xmlns:adec="http://schemas.microsoft.com/office/drawing/2017/decorative" xmlns="" val="1"/>
               </a:ext>
             </a:extLst>
           </p:cNvPr>
@@ -2962,7 +2962,7 @@
                 <a16:creationId xmlns:a16="http://schemas.microsoft.com/office/drawing/2014/main" id="{D864AC6E-1611-244C-BA28-696924BAB259}"/>
               </a:ext>
               <a:ext uri="{C183D7F6-B498-43B3-948B-1728B52AA6E4}">
-                <adec:decorative xmlns="" xmlns:adec="http://schemas.microsoft.com/office/drawing/2017/decorative" val="1"/>
+                <adec:decorative xmlns:adec="http://schemas.microsoft.com/office/drawing/2017/decorative" xmlns="" val="1"/>
               </a:ext>
             </a:extLst>
           </p:cNvPr>
@@ -3575,7 +3575,7 @@
                 <a16:creationId xmlns:a16="http://schemas.microsoft.com/office/drawing/2014/main" id="{85B60DB8-F067-969E-72B5-4E90025E5BF8}"/>
               </a:ext>
               <a:ext uri="{C183D7F6-B498-43B3-948B-1728B52AA6E4}">
-                <adec:decorative xmlns="" xmlns:adec="http://schemas.microsoft.com/office/drawing/2017/decorative" val="1"/>
+                <adec:decorative xmlns:adec="http://schemas.microsoft.com/office/drawing/2017/decorative" xmlns="" val="1"/>
               </a:ext>
             </a:extLst>
           </p:cNvPr>
@@ -4078,7 +4078,7 @@
                 <a16:creationId xmlns:a16="http://schemas.microsoft.com/office/drawing/2014/main" id="{F7E2C737-3A4D-924A-88B5-FA4D5C8A07C7}"/>
               </a:ext>
               <a:ext uri="{C183D7F6-B498-43B3-948B-1728B52AA6E4}">
-                <adec:decorative xmlns="" xmlns:adec="http://schemas.microsoft.com/office/drawing/2017/decorative" val="1"/>
+                <adec:decorative xmlns:adec="http://schemas.microsoft.com/office/drawing/2017/decorative" xmlns="" val="1"/>
               </a:ext>
             </a:extLst>
           </p:cNvPr>
@@ -4676,7 +4676,7 @@
                 <a16:creationId xmlns:a16="http://schemas.microsoft.com/office/drawing/2014/main" id="{56D4D92B-574E-4F63-A5BA-8F7282B54C27}"/>
               </a:ext>
               <a:ext uri="{C183D7F6-B498-43B3-948B-1728B52AA6E4}">
-                <adec:decorative xmlns="" xmlns:adec="http://schemas.microsoft.com/office/drawing/2017/decorative" val="1"/>
+                <adec:decorative xmlns:adec="http://schemas.microsoft.com/office/drawing/2017/decorative" xmlns="" val="1"/>
               </a:ext>
             </a:extLst>
           </p:cNvPr>
@@ -4840,7 +4840,7 @@
                 <a16:creationId xmlns:a16="http://schemas.microsoft.com/office/drawing/2014/main" id="{F789B473-DDE6-4450-A111-3761F341AAE3}"/>
               </a:ext>
               <a:ext uri="{C183D7F6-B498-43B3-948B-1728B52AA6E4}">
-                <adec:decorative xmlns="" xmlns:adec="http://schemas.microsoft.com/office/drawing/2017/decorative" val="1"/>
+                <adec:decorative xmlns:adec="http://schemas.microsoft.com/office/drawing/2017/decorative" xmlns="" val="1"/>
               </a:ext>
             </a:extLst>
           </p:cNvPr>
@@ -5350,7 +5350,7 @@
                 <a16:creationId xmlns:a16="http://schemas.microsoft.com/office/drawing/2014/main" id="{14F46384-B6E3-0D43-924E-874DEC2344B1}"/>
               </a:ext>
               <a:ext uri="{C183D7F6-B498-43B3-948B-1728B52AA6E4}">
-                <adec:decorative xmlns="" xmlns:adec="http://schemas.microsoft.com/office/drawing/2017/decorative" val="1"/>
+                <adec:decorative xmlns:adec="http://schemas.microsoft.com/office/drawing/2017/decorative" xmlns="" val="1"/>
               </a:ext>
             </a:extLst>
           </p:cNvPr>
@@ -5497,7 +5497,7 @@
                 <a16:creationId xmlns:a16="http://schemas.microsoft.com/office/drawing/2014/main" id="{33526770-8F35-FB4A-8638-521D0DA87F6C}"/>
               </a:ext>
               <a:ext uri="{C183D7F6-B498-43B3-948B-1728B52AA6E4}">
-                <adec:decorative xmlns="" xmlns:adec="http://schemas.microsoft.com/office/drawing/2017/decorative" val="1"/>
+                <adec:decorative xmlns:adec="http://schemas.microsoft.com/office/drawing/2017/decorative" xmlns="" val="1"/>
               </a:ext>
             </a:extLst>
           </p:cNvPr>
@@ -5644,7 +5644,7 @@
                 <a16:creationId xmlns:a16="http://schemas.microsoft.com/office/drawing/2014/main" id="{73C08A52-2522-8C40-B8B1-C98FEBB888F7}"/>
               </a:ext>
               <a:ext uri="{C183D7F6-B498-43B3-948B-1728B52AA6E4}">
-                <adec:decorative xmlns="" xmlns:adec="http://schemas.microsoft.com/office/drawing/2017/decorative" val="1"/>
+                <adec:decorative xmlns:adec="http://schemas.microsoft.com/office/drawing/2017/decorative" xmlns="" val="1"/>
               </a:ext>
             </a:extLst>
           </p:cNvPr>
@@ -5791,7 +5791,7 @@
                 <a16:creationId xmlns:a16="http://schemas.microsoft.com/office/drawing/2014/main" id="{9B57CCC6-06B1-7342-99B0-BC7C8FBE5E73}"/>
               </a:ext>
               <a:ext uri="{C183D7F6-B498-43B3-948B-1728B52AA6E4}">
-                <adec:decorative xmlns="" xmlns:adec="http://schemas.microsoft.com/office/drawing/2017/decorative" val="1"/>
+                <adec:decorative xmlns:adec="http://schemas.microsoft.com/office/drawing/2017/decorative" xmlns="" val="1"/>
               </a:ext>
             </a:extLst>
           </p:cNvPr>
@@ -5938,7 +5938,7 @@
                 <a16:creationId xmlns:a16="http://schemas.microsoft.com/office/drawing/2014/main" id="{23C87E7C-5ED2-214E-8A38-ED05177A65DC}"/>
               </a:ext>
               <a:ext uri="{C183D7F6-B498-43B3-948B-1728B52AA6E4}">
-                <adec:decorative xmlns="" xmlns:adec="http://schemas.microsoft.com/office/drawing/2017/decorative" val="1"/>
+                <adec:decorative xmlns:adec="http://schemas.microsoft.com/office/drawing/2017/decorative" xmlns="" val="1"/>
               </a:ext>
             </a:extLst>
           </p:cNvPr>
@@ -6707,7 +6707,7 @@
                 <a16:creationId xmlns:a16="http://schemas.microsoft.com/office/drawing/2014/main" id="{5CABBF0D-1BD1-F9E7-64FF-6B8D87E611B7}"/>
               </a:ext>
               <a:ext uri="{C183D7F6-B498-43B3-948B-1728B52AA6E4}">
-                <adec:decorative xmlns="" xmlns:adec="http://schemas.microsoft.com/office/drawing/2017/decorative" val="1"/>
+                <adec:decorative xmlns:adec="http://schemas.microsoft.com/office/drawing/2017/decorative" xmlns="" val="1"/>
               </a:ext>
             </a:extLst>
           </p:cNvPr>
@@ -7167,7 +7167,7 @@
                 <a16:creationId xmlns:a16="http://schemas.microsoft.com/office/drawing/2014/main" id="{B1C210DC-5DBB-4F0D-875F-CD8AAAB938CE}"/>
               </a:ext>
               <a:ext uri="{C183D7F6-B498-43B3-948B-1728B52AA6E4}">
-                <adec:decorative xmlns="" xmlns:adec="http://schemas.microsoft.com/office/drawing/2017/decorative" val="1"/>
+                <adec:decorative xmlns:adec="http://schemas.microsoft.com/office/drawing/2017/decorative" xmlns="" val="1"/>
               </a:ext>
             </a:extLst>
           </p:cNvPr>
@@ -7366,7 +7366,7 @@
                 <a16:creationId xmlns:a16="http://schemas.microsoft.com/office/drawing/2014/main" id="{6FECF9D0-D7A8-43DD-B38D-E1090C0B322F}"/>
               </a:ext>
               <a:ext uri="{C183D7F6-B498-43B3-948B-1728B52AA6E4}">
-                <adec:decorative xmlns="" xmlns:adec="http://schemas.microsoft.com/office/drawing/2017/decorative" val="1"/>
+                <adec:decorative xmlns:adec="http://schemas.microsoft.com/office/drawing/2017/decorative" xmlns="" val="1"/>
               </a:ext>
             </a:extLst>
           </p:cNvPr>
@@ -7579,7 +7579,7 @@
                 <a16:creationId xmlns:a16="http://schemas.microsoft.com/office/drawing/2014/main" id="{446F04B0-7860-407F-85B7-42E38FAFE34B}"/>
               </a:ext>
               <a:ext uri="{C183D7F6-B498-43B3-948B-1728B52AA6E4}">
-                <adec:decorative xmlns="" xmlns:adec="http://schemas.microsoft.com/office/drawing/2017/decorative" val="1"/>
+                <adec:decorative xmlns:adec="http://schemas.microsoft.com/office/drawing/2017/decorative" xmlns="" val="1"/>
               </a:ext>
             </a:extLst>
           </p:cNvPr>
@@ -8006,7 +8006,7 @@
                 <a16:creationId xmlns:a16="http://schemas.microsoft.com/office/drawing/2014/main" id="{085441A7-EBA5-4ABB-8D29-CE4338F0F9B5}"/>
               </a:ext>
               <a:ext uri="{C183D7F6-B498-43B3-948B-1728B52AA6E4}">
-                <adec:decorative xmlns="" xmlns:adec="http://schemas.microsoft.com/office/drawing/2017/decorative" val="1"/>
+                <adec:decorative xmlns:adec="http://schemas.microsoft.com/office/drawing/2017/decorative" xmlns="" val="1"/>
               </a:ext>
             </a:extLst>
           </p:cNvPr>
@@ -8223,7 +8223,7 @@
                 <a16:creationId xmlns:a16="http://schemas.microsoft.com/office/drawing/2014/main" id="{45D908EF-1F96-4808-A8DB-F55AB9E8E436}"/>
               </a:ext>
               <a:ext uri="{C183D7F6-B498-43B3-948B-1728B52AA6E4}">
-                <adec:decorative xmlns="" xmlns:adec="http://schemas.microsoft.com/office/drawing/2017/decorative" val="1"/>
+                <adec:decorative xmlns:adec="http://schemas.microsoft.com/office/drawing/2017/decorative" xmlns="" val="1"/>
               </a:ext>
             </a:extLst>
           </p:cNvPr>
@@ -8436,7 +8436,7 @@
                 <a16:creationId xmlns:a16="http://schemas.microsoft.com/office/drawing/2014/main" id="{5670C03F-6336-45E3-A9F4-0CD130D80D1B}"/>
               </a:ext>
               <a:ext uri="{C183D7F6-B498-43B3-948B-1728B52AA6E4}">
-                <adec:decorative xmlns="" xmlns:adec="http://schemas.microsoft.com/office/drawing/2017/decorative" val="1"/>
+                <adec:decorative xmlns:adec="http://schemas.microsoft.com/office/drawing/2017/decorative" xmlns="" val="1"/>
               </a:ext>
             </a:extLst>
           </p:cNvPr>
@@ -8649,7 +8649,7 @@
                 <a16:creationId xmlns:a16="http://schemas.microsoft.com/office/drawing/2014/main" id="{3019BB56-AE7C-42CA-A8FF-432F4F176B8B}"/>
               </a:ext>
               <a:ext uri="{C183D7F6-B498-43B3-948B-1728B52AA6E4}">
-                <adec:decorative xmlns="" xmlns:adec="http://schemas.microsoft.com/office/drawing/2017/decorative" val="1"/>
+                <adec:decorative xmlns:adec="http://schemas.microsoft.com/office/drawing/2017/decorative" xmlns="" val="1"/>
               </a:ext>
             </a:extLst>
           </p:cNvPr>
@@ -9076,7 +9076,7 @@
                 <a16:creationId xmlns:a16="http://schemas.microsoft.com/office/drawing/2014/main" id="{A1FDF9D3-5B68-4A75-97BF-2C5113CFAA66}"/>
               </a:ext>
               <a:ext uri="{C183D7F6-B498-43B3-948B-1728B52AA6E4}">
-                <adec:decorative xmlns="" xmlns:adec="http://schemas.microsoft.com/office/drawing/2017/decorative" val="1"/>
+                <adec:decorative xmlns:adec="http://schemas.microsoft.com/office/drawing/2017/decorative" xmlns="" val="1"/>
               </a:ext>
             </a:extLst>
           </p:cNvPr>
@@ -9275,7 +9275,7 @@
                 <a16:creationId xmlns:a16="http://schemas.microsoft.com/office/drawing/2014/main" id="{C551C90A-573F-4E4A-9359-5C7B0F546BF9}"/>
               </a:ext>
               <a:ext uri="{C183D7F6-B498-43B3-948B-1728B52AA6E4}">
-                <adec:decorative xmlns="" xmlns:adec="http://schemas.microsoft.com/office/drawing/2017/decorative" val="1"/>
+                <adec:decorative xmlns:adec="http://schemas.microsoft.com/office/drawing/2017/decorative" xmlns="" val="1"/>
               </a:ext>
             </a:extLst>
           </p:cNvPr>
@@ -9477,7 +9477,7 @@
                 <a16:creationId xmlns:a16="http://schemas.microsoft.com/office/drawing/2014/main" id="{AF79E162-3D8F-4829-A4AD-02A03597B11A}"/>
               </a:ext>
               <a:ext uri="{C183D7F6-B498-43B3-948B-1728B52AA6E4}">
-                <adec:decorative xmlns="" xmlns:adec="http://schemas.microsoft.com/office/drawing/2017/decorative" val="1"/>
+                <adec:decorative xmlns:adec="http://schemas.microsoft.com/office/drawing/2017/decorative" xmlns="" val="1"/>
               </a:ext>
             </a:extLst>
           </p:cNvPr>
@@ -9690,7 +9690,7 @@
                 <a16:creationId xmlns:a16="http://schemas.microsoft.com/office/drawing/2014/main" id="{026B9B36-08E7-4664-970C-13123F24C793}"/>
               </a:ext>
               <a:ext uri="{C183D7F6-B498-43B3-948B-1728B52AA6E4}">
-                <adec:decorative xmlns="" xmlns:adec="http://schemas.microsoft.com/office/drawing/2017/decorative" val="1"/>
+                <adec:decorative xmlns:adec="http://schemas.microsoft.com/office/drawing/2017/decorative" xmlns="" val="1"/>
               </a:ext>
             </a:extLst>
           </p:cNvPr>
@@ -9907,7 +9907,7 @@
                 <a16:creationId xmlns:a16="http://schemas.microsoft.com/office/drawing/2014/main" id="{7EAB1992-E472-4489-8A4E-A8FE45DE10CF}"/>
               </a:ext>
               <a:ext uri="{C183D7F6-B498-43B3-948B-1728B52AA6E4}">
-                <adec:decorative xmlns="" xmlns:adec="http://schemas.microsoft.com/office/drawing/2017/decorative" val="1"/>
+                <adec:decorative xmlns:adec="http://schemas.microsoft.com/office/drawing/2017/decorative" xmlns="" val="1"/>
               </a:ext>
             </a:extLst>
           </p:cNvPr>
@@ -10481,7 +10481,7 @@
           <a:blip r:embed="rId3">
             <a:extLst>
               <a:ext uri="{96DAC541-7B7A-43D3-8B79-37D633B846F1}">
-                <asvg:svgBlip xmlns="" xmlns:asvg="http://schemas.microsoft.com/office/drawing/2016/SVG/main" r:embed="rId4"/>
+                <asvg:svgBlip xmlns:asvg="http://schemas.microsoft.com/office/drawing/2016/SVG/main" xmlns="" r:embed="rId4"/>
               </a:ext>
             </a:extLst>
           </a:blip>
@@ -10666,7 +10666,7 @@
           <a:blip r:embed="rId3">
             <a:extLst>
               <a:ext uri="{96DAC541-7B7A-43D3-8B79-37D633B846F1}">
-                <asvg:svgBlip xmlns="" xmlns:asvg="http://schemas.microsoft.com/office/drawing/2016/SVG/main" r:embed="rId4"/>
+                <asvg:svgBlip xmlns:asvg="http://schemas.microsoft.com/office/drawing/2016/SVG/main" xmlns="" r:embed="rId4"/>
               </a:ext>
             </a:extLst>
           </a:blip>
@@ -10928,7 +10928,7 @@
           <a:blip r:embed="rId2">
             <a:extLst>
               <a:ext uri="{96DAC541-7B7A-43D3-8B79-37D633B846F1}">
-                <asvg:svgBlip xmlns="" xmlns:asvg="http://schemas.microsoft.com/office/drawing/2016/SVG/main" r:embed="rId3"/>
+                <asvg:svgBlip xmlns:asvg="http://schemas.microsoft.com/office/drawing/2016/SVG/main" xmlns="" r:embed="rId3"/>
               </a:ext>
             </a:extLst>
           </a:blip>
@@ -11181,7 +11181,7 @@
                 <a16:creationId xmlns:a16="http://schemas.microsoft.com/office/drawing/2014/main" id="{B59E37DB-3217-4772-AE8E-E9673A139975}"/>
               </a:ext>
               <a:ext uri="{C183D7F6-B498-43B3-948B-1728B52AA6E4}">
-                <adec:decorative xmlns="" xmlns:adec="http://schemas.microsoft.com/office/drawing/2017/decorative" val="1"/>
+                <adec:decorative xmlns:adec="http://schemas.microsoft.com/office/drawing/2017/decorative" xmlns="" val="1"/>
               </a:ext>
             </a:extLst>
           </p:cNvPr>
@@ -11230,7 +11230,7 @@
                 <a16:creationId xmlns:a16="http://schemas.microsoft.com/office/drawing/2014/main" id="{F0DFE264-D676-EA48-BBA7-F4F0331FA268}"/>
               </a:ext>
               <a:ext uri="{C183D7F6-B498-43B3-948B-1728B52AA6E4}">
-                <adec:decorative xmlns="" xmlns:adec="http://schemas.microsoft.com/office/drawing/2017/decorative" val="1"/>
+                <adec:decorative xmlns:adec="http://schemas.microsoft.com/office/drawing/2017/decorative" xmlns="" val="1"/>
               </a:ext>
             </a:extLst>
           </p:cNvPr>
@@ -11333,7 +11333,7 @@
                 <a16:creationId xmlns:a16="http://schemas.microsoft.com/office/drawing/2014/main" id="{A0BB7D6E-2488-A644-A910-415B17221FBC}"/>
               </a:ext>
               <a:ext uri="{C183D7F6-B498-43B3-948B-1728B52AA6E4}">
-                <adec:decorative xmlns="" xmlns:adec="http://schemas.microsoft.com/office/drawing/2017/decorative" val="1"/>
+                <adec:decorative xmlns:adec="http://schemas.microsoft.com/office/drawing/2017/decorative" xmlns="" val="1"/>
               </a:ext>
             </a:extLst>
           </p:cNvPr>
@@ -16282,7 +16282,7 @@
           <a:blip r:embed="rId2">
             <a:extLst>
               <a:ext uri="{96DAC541-7B7A-43D3-8B79-37D633B846F1}">
-                <asvg:svgBlip xmlns="" xmlns:asvg="http://schemas.microsoft.com/office/drawing/2016/SVG/main" r:embed="rId3"/>
+                <asvg:svgBlip xmlns:asvg="http://schemas.microsoft.com/office/drawing/2016/SVG/main" xmlns="" r:embed="rId3"/>
               </a:ext>
             </a:extLst>
           </a:blip>
@@ -18841,7 +18841,7 @@
           <a:blip r:embed="rId28">
             <a:extLst>
               <a:ext uri="{96DAC541-7B7A-43D3-8B79-37D633B846F1}">
-                <asvg:svgBlip xmlns="" xmlns:asvg="http://schemas.microsoft.com/office/drawing/2016/SVG/main" r:embed="rId29"/>
+                <asvg:svgBlip xmlns:asvg="http://schemas.microsoft.com/office/drawing/2016/SVG/main" xmlns="" r:embed="rId29"/>
               </a:ext>
             </a:extLst>
           </a:blip>
@@ -20079,11 +20079,7 @@
           <a:p>
             <a:r>
               <a:rPr lang="en-US" dirty="0" smtClean="0"/>
-              <a:t>It can/should </a:t>
-            </a:r>
-            <a:r>
-              <a:rPr lang="en-US" dirty="0" smtClean="0"/>
-              <a:t>be used as in-line code comments</a:t>
+              <a:t>It can/should be used as in-line code comments</a:t>
             </a:r>
           </a:p>
           <a:p>
@@ -20095,11 +20091,7 @@
           <a:p>
             <a:r>
               <a:rPr lang="en-US" dirty="0" smtClean="0"/>
-              <a:t>Look at these pictures, who </a:t>
-            </a:r>
-            <a:r>
-              <a:rPr lang="en-US" dirty="0" smtClean="0"/>
-              <a:t>is ready for the next task?</a:t>
+              <a:t>Look at these pictures, who is ready for the next task?</a:t>
             </a:r>
             <a:endParaRPr lang="en-US" dirty="0"/>
           </a:p>
@@ -20892,12 +20884,6 @@
             </a:r>
           </a:p>
           <a:p>
-            <a:r>
-              <a:rPr lang="en-US" sz="2000" dirty="0"/>
-              <a:t>https://github.com/jpsider/Invoke-Automation/tree/master/Powercli/VMwareExplore_2024</a:t>
-            </a:r>
-          </a:p>
-          <a:p>
             <a:endParaRPr lang="en-US" dirty="0"/>
           </a:p>
         </p:txBody>
@@ -20978,6 +20964,127 @@
               </a:rPr>
               <a:t>All Rights Reserved. The term “Broadcom” refers to Broadcom Inc. and/or its subsidiaries.</a:t>
             </a:r>
+          </a:p>
+        </p:txBody>
+      </p:sp>
+      <p:pic>
+        <p:nvPicPr>
+          <p:cNvPr id="5" name="Picture 4"/>
+          <p:cNvPicPr>
+            <a:picLocks noChangeAspect="1"/>
+          </p:cNvPicPr>
+          <p:nvPr/>
+        </p:nvPicPr>
+        <p:blipFill>
+          <a:blip r:embed="rId2"/>
+          <a:stretch>
+            <a:fillRect/>
+          </a:stretch>
+        </p:blipFill>
+        <p:spPr>
+          <a:xfrm>
+            <a:off x="7945457" y="473904"/>
+            <a:ext cx="3392631" cy="3176872"/>
+          </a:xfrm>
+          <a:prstGeom prst="rect">
+            <a:avLst/>
+          </a:prstGeom>
+        </p:spPr>
+      </p:pic>
+      <p:sp>
+        <p:nvSpPr>
+          <p:cNvPr id="6" name="TextBox 5"/>
+          <p:cNvSpPr txBox="1"/>
+          <p:nvPr/>
+        </p:nvSpPr>
+        <p:spPr>
+          <a:xfrm>
+            <a:off x="4520571" y="1375581"/>
+            <a:ext cx="2103634" cy="480131"/>
+          </a:xfrm>
+          <a:prstGeom prst="rect">
+            <a:avLst/>
+          </a:prstGeom>
+          <a:noFill/>
+        </p:spPr>
+        <p:txBody>
+          <a:bodyPr wrap="square" lIns="0" tIns="0" rIns="0" bIns="0" rtlCol="0">
+            <a:spAutoFit/>
+          </a:bodyPr>
+          <a:lstStyle/>
+          <a:p>
+            <a:pPr algn="l">
+              <a:lnSpc>
+                <a:spcPct val="130000"/>
+              </a:lnSpc>
+            </a:pPr>
+            <a:r>
+              <a:rPr lang="en-US" sz="2400" dirty="0">
+                <a:solidFill>
+                  <a:schemeClr val="bg1"/>
+                </a:solidFill>
+                <a:latin typeface="+mj-lt"/>
+              </a:rPr>
+              <a:t>Slides &amp; Code</a:t>
+            </a:r>
+          </a:p>
+        </p:txBody>
+      </p:sp>
+      <p:sp>
+        <p:nvSpPr>
+          <p:cNvPr id="7" name="Bent-Up Arrow 6"/>
+          <p:cNvSpPr/>
+          <p:nvPr/>
+        </p:nvSpPr>
+        <p:spPr>
+          <a:xfrm rot="5400000">
+            <a:off x="5763747" y="1609287"/>
+            <a:ext cx="957836" cy="1704112"/>
+          </a:xfrm>
+          <a:prstGeom prst="bentUpArrow">
+            <a:avLst/>
+          </a:prstGeom>
+          <a:solidFill>
+            <a:schemeClr val="bg2"/>
+          </a:solidFill>
+          <a:ln>
+            <a:noFill/>
+          </a:ln>
+          <a:effectLst/>
+        </p:spPr>
+        <p:style>
+          <a:lnRef idx="1">
+            <a:schemeClr val="accent1"/>
+          </a:lnRef>
+          <a:fillRef idx="3">
+            <a:schemeClr val="accent1"/>
+          </a:fillRef>
+          <a:effectRef idx="2">
+            <a:schemeClr val="accent1"/>
+          </a:effectRef>
+          <a:fontRef idx="minor">
+            <a:schemeClr val="lt1"/>
+          </a:fontRef>
+        </p:style>
+        <p:txBody>
+          <a:bodyPr rot="0" spcFirstLastPara="0" vertOverflow="overflow" horzOverflow="overflow" vert="horz" wrap="square" lIns="91440" tIns="45720" rIns="91440" bIns="45720" numCol="1" spcCol="0" rtlCol="0" fromWordArt="0" anchor="ctr" anchorCtr="0" forceAA="0" compatLnSpc="1">
+            <a:prstTxWarp prst="textNoShape">
+              <a:avLst/>
+            </a:prstTxWarp>
+            <a:noAutofit/>
+          </a:bodyPr>
+          <a:lstStyle/>
+          <a:p>
+            <a:pPr algn="ctr">
+              <a:spcAft>
+                <a:spcPts val="600"/>
+              </a:spcAft>
+            </a:pPr>
+            <a:endParaRPr lang="en-US" sz="1200" smtClean="0">
+              <a:solidFill>
+                <a:schemeClr val="bg1"/>
+              </a:solidFill>
+            </a:endParaRPr>
           </a:p>
         </p:txBody>
       </p:sp>
@@ -24124,6 +24231,15 @@
 </file>
 
 <file path=customXml/item1.xml><?xml version="1.0" encoding="utf-8"?>
+<?mso-contentType ?>
+<FormTemplates xmlns="http://schemas.microsoft.com/sharepoint/v3/contenttype/forms">
+  <Display>DocumentLibraryForm</Display>
+  <Edit>DocumentLibraryForm</Edit>
+  <New>DocumentLibraryForm</New>
+</FormTemplates>
+</file>
+
+<file path=customXml/item2.xml><?xml version="1.0" encoding="utf-8"?>
 <p:properties xmlns:p="http://schemas.microsoft.com/office/2006/metadata/properties" xmlns:xsi="http://www.w3.org/2001/XMLSchema-instance" xmlns:pc="http://schemas.microsoft.com/office/infopath/2007/PartnerControls">
   <documentManagement>
     <lcf76f155ced4ddcb4097134ff3c332f xmlns="34d4d772-b3f2-47fc-9a2d-2126f9957ae8">
@@ -24144,15 +24260,6 @@
     </SharedWithUsers>
   </documentManagement>
 </p:properties>
-</file>
-
-<file path=customXml/item2.xml><?xml version="1.0" encoding="utf-8"?>
-<?mso-contentType ?>
-<FormTemplates xmlns="http://schemas.microsoft.com/sharepoint/v3/contenttype/forms">
-  <Display>DocumentLibraryForm</Display>
-  <Edit>DocumentLibraryForm</Edit>
-  <New>DocumentLibraryForm</New>
-</FormTemplates>
 </file>
 
 <file path=customXml/item3.xml><?xml version="1.0" encoding="utf-8"?>
@@ -24391,6 +24498,14 @@
 </file>
 
 <file path=customXml/itemProps1.xml><?xml version="1.0" encoding="utf-8"?>
+<ds:datastoreItem xmlns:ds="http://schemas.openxmlformats.org/officeDocument/2006/customXml" ds:itemID="{BAD99180-4DF7-4231-B572-5E5D5B192DA4}">
+  <ds:schemaRefs>
+    <ds:schemaRef ds:uri="http://schemas.microsoft.com/sharepoint/v3/contenttype/forms"/>
+  </ds:schemaRefs>
+</ds:datastoreItem>
+</file>
+
+<file path=customXml/itemProps2.xml><?xml version="1.0" encoding="utf-8"?>
 <ds:datastoreItem xmlns:ds="http://schemas.openxmlformats.org/officeDocument/2006/customXml" ds:itemID="{51634573-F7D8-4ECC-B5FF-91D1E5D2E650}">
   <ds:schemaRefs>
     <ds:schemaRef ds:uri="34d4d772-b3f2-47fc-9a2d-2126f9957ae8"/>
@@ -24403,14 +24518,6 @@
     <ds:schemaRef ds:uri="http://schemas.microsoft.com/office/infopath/2007/PartnerControls"/>
     <ds:schemaRef ds:uri="http://schemas.openxmlformats.org/package/2006/metadata/core-properties"/>
     <ds:schemaRef ds:uri="http://www.w3.org/XML/1998/namespace"/>
-  </ds:schemaRefs>
-</ds:datastoreItem>
-</file>
-
-<file path=customXml/itemProps2.xml><?xml version="1.0" encoding="utf-8"?>
-<ds:datastoreItem xmlns:ds="http://schemas.openxmlformats.org/officeDocument/2006/customXml" ds:itemID="{BAD99180-4DF7-4231-B572-5E5D5B192DA4}">
-  <ds:schemaRefs>
-    <ds:schemaRef ds:uri="http://schemas.microsoft.com/sharepoint/v3/contenttype/forms"/>
   </ds:schemaRefs>
 </ds:datastoreItem>
 </file>

--- a/Powercli/VMwareExplore_2024/PowerCLI_301/CODE1745LV - PowerCLI 301 - Functions Upon Functions.pptx
+++ b/Powercli/VMwareExplore_2024/PowerCLI_301/CODE1745LV - PowerCLI 301 - Functions Upon Functions.pptx
@@ -275,7 +275,7 @@
               <a:rPr lang="en-US" smtClean="0">
                 <a:latin typeface="Metropolis" panose="00000500000000000000" pitchFamily="50" charset="0"/>
               </a:rPr>
-              <a:t>8/26/2024</a:t>
+              <a:t>8/28/2024</a:t>
             </a:fld>
             <a:endParaRPr lang="en-US">
               <a:latin typeface="Metropolis" panose="00000500000000000000" pitchFamily="50" charset="0"/>
@@ -453,7 +453,7 @@
             <a:fld id="{3CB6F0DB-E055-41D0-9102-627A646E4242}" type="datetimeFigureOut">
               <a:rPr lang="en-US" smtClean="0"/>
               <a:pPr/>
-              <a:t>8/26/2024</a:t>
+              <a:t>8/28/2024</a:t>
             </a:fld>
             <a:endParaRPr lang="en-US"/>
           </a:p>
@@ -866,7 +866,7 @@
           <a:blip r:embed="rId3">
             <a:extLst>
               <a:ext uri="{96DAC541-7B7A-43D3-8B79-37D633B846F1}">
-                <asvg:svgBlip xmlns:asvg="http://schemas.microsoft.com/office/drawing/2016/SVG/main" xmlns="" r:embed="rId4"/>
+                <asvg:svgBlip xmlns="" xmlns:asvg="http://schemas.microsoft.com/office/drawing/2016/SVG/main" r:embed="rId4"/>
               </a:ext>
             </a:extLst>
           </a:blip>
@@ -1429,7 +1429,7 @@
                 <a16:creationId xmlns:a16="http://schemas.microsoft.com/office/drawing/2014/main" id="{AA1B5F83-A93D-544C-8DB4-B164DBF2F72D}"/>
               </a:ext>
               <a:ext uri="{C183D7F6-B498-43B3-948B-1728B52AA6E4}">
-                <adec:decorative xmlns:adec="http://schemas.microsoft.com/office/drawing/2017/decorative" xmlns="" val="1"/>
+                <adec:decorative xmlns="" xmlns:adec="http://schemas.microsoft.com/office/drawing/2017/decorative" val="1"/>
               </a:ext>
             </a:extLst>
           </p:cNvPr>
@@ -1641,7 +1641,7 @@
                 <a16:creationId xmlns:a16="http://schemas.microsoft.com/office/drawing/2014/main" id="{417D4F8B-2025-D14C-A41E-9C0B401DE6B0}"/>
               </a:ext>
               <a:ext uri="{C183D7F6-B498-43B3-948B-1728B52AA6E4}">
-                <adec:decorative xmlns:adec="http://schemas.microsoft.com/office/drawing/2017/decorative" xmlns="" val="1"/>
+                <adec:decorative xmlns="" xmlns:adec="http://schemas.microsoft.com/office/drawing/2017/decorative" val="1"/>
               </a:ext>
             </a:extLst>
           </p:cNvPr>
@@ -2107,7 +2107,7 @@
                 <a16:creationId xmlns:a16="http://schemas.microsoft.com/office/drawing/2014/main" id="{B164666E-28C9-844E-91D8-ECA2F1E57595}"/>
               </a:ext>
               <a:ext uri="{C183D7F6-B498-43B3-948B-1728B52AA6E4}">
-                <adec:decorative xmlns:adec="http://schemas.microsoft.com/office/drawing/2017/decorative" xmlns="" val="1"/>
+                <adec:decorative xmlns="" xmlns:adec="http://schemas.microsoft.com/office/drawing/2017/decorative" val="1"/>
               </a:ext>
             </a:extLst>
           </p:cNvPr>
@@ -2320,7 +2320,7 @@
                 <a16:creationId xmlns:a16="http://schemas.microsoft.com/office/drawing/2014/main" id="{97B963A1-3810-7A40-8918-6D6D68B4A836}"/>
               </a:ext>
               <a:ext uri="{C183D7F6-B498-43B3-948B-1728B52AA6E4}">
-                <adec:decorative xmlns:adec="http://schemas.microsoft.com/office/drawing/2017/decorative" xmlns="" val="1"/>
+                <adec:decorative xmlns="" xmlns:adec="http://schemas.microsoft.com/office/drawing/2017/decorative" val="1"/>
               </a:ext>
             </a:extLst>
           </p:cNvPr>
@@ -2442,7 +2442,7 @@
                 <a16:creationId xmlns:a16="http://schemas.microsoft.com/office/drawing/2014/main" id="{E17DA4B3-27AC-8A64-FD5E-59AEAE0D8559}"/>
               </a:ext>
               <a:ext uri="{C183D7F6-B498-43B3-948B-1728B52AA6E4}">
-                <adec:decorative xmlns:adec="http://schemas.microsoft.com/office/drawing/2017/decorative" xmlns="" val="1"/>
+                <adec:decorative xmlns="" xmlns:adec="http://schemas.microsoft.com/office/drawing/2017/decorative" val="1"/>
               </a:ext>
             </a:extLst>
           </p:cNvPr>
@@ -2962,7 +2962,7 @@
                 <a16:creationId xmlns:a16="http://schemas.microsoft.com/office/drawing/2014/main" id="{D864AC6E-1611-244C-BA28-696924BAB259}"/>
               </a:ext>
               <a:ext uri="{C183D7F6-B498-43B3-948B-1728B52AA6E4}">
-                <adec:decorative xmlns:adec="http://schemas.microsoft.com/office/drawing/2017/decorative" xmlns="" val="1"/>
+                <adec:decorative xmlns="" xmlns:adec="http://schemas.microsoft.com/office/drawing/2017/decorative" val="1"/>
               </a:ext>
             </a:extLst>
           </p:cNvPr>
@@ -3575,7 +3575,7 @@
                 <a16:creationId xmlns:a16="http://schemas.microsoft.com/office/drawing/2014/main" id="{85B60DB8-F067-969E-72B5-4E90025E5BF8}"/>
               </a:ext>
               <a:ext uri="{C183D7F6-B498-43B3-948B-1728B52AA6E4}">
-                <adec:decorative xmlns:adec="http://schemas.microsoft.com/office/drawing/2017/decorative" xmlns="" val="1"/>
+                <adec:decorative xmlns="" xmlns:adec="http://schemas.microsoft.com/office/drawing/2017/decorative" val="1"/>
               </a:ext>
             </a:extLst>
           </p:cNvPr>
@@ -4078,7 +4078,7 @@
                 <a16:creationId xmlns:a16="http://schemas.microsoft.com/office/drawing/2014/main" id="{F7E2C737-3A4D-924A-88B5-FA4D5C8A07C7}"/>
               </a:ext>
               <a:ext uri="{C183D7F6-B498-43B3-948B-1728B52AA6E4}">
-                <adec:decorative xmlns:adec="http://schemas.microsoft.com/office/drawing/2017/decorative" xmlns="" val="1"/>
+                <adec:decorative xmlns="" xmlns:adec="http://schemas.microsoft.com/office/drawing/2017/decorative" val="1"/>
               </a:ext>
             </a:extLst>
           </p:cNvPr>
@@ -4676,7 +4676,7 @@
                 <a16:creationId xmlns:a16="http://schemas.microsoft.com/office/drawing/2014/main" id="{56D4D92B-574E-4F63-A5BA-8F7282B54C27}"/>
               </a:ext>
               <a:ext uri="{C183D7F6-B498-43B3-948B-1728B52AA6E4}">
-                <adec:decorative xmlns:adec="http://schemas.microsoft.com/office/drawing/2017/decorative" xmlns="" val="1"/>
+                <adec:decorative xmlns="" xmlns:adec="http://schemas.microsoft.com/office/drawing/2017/decorative" val="1"/>
               </a:ext>
             </a:extLst>
           </p:cNvPr>
@@ -4840,7 +4840,7 @@
                 <a16:creationId xmlns:a16="http://schemas.microsoft.com/office/drawing/2014/main" id="{F789B473-DDE6-4450-A111-3761F341AAE3}"/>
               </a:ext>
               <a:ext uri="{C183D7F6-B498-43B3-948B-1728B52AA6E4}">
-                <adec:decorative xmlns:adec="http://schemas.microsoft.com/office/drawing/2017/decorative" xmlns="" val="1"/>
+                <adec:decorative xmlns="" xmlns:adec="http://schemas.microsoft.com/office/drawing/2017/decorative" val="1"/>
               </a:ext>
             </a:extLst>
           </p:cNvPr>
@@ -5350,7 +5350,7 @@
                 <a16:creationId xmlns:a16="http://schemas.microsoft.com/office/drawing/2014/main" id="{14F46384-B6E3-0D43-924E-874DEC2344B1}"/>
               </a:ext>
               <a:ext uri="{C183D7F6-B498-43B3-948B-1728B52AA6E4}">
-                <adec:decorative xmlns:adec="http://schemas.microsoft.com/office/drawing/2017/decorative" xmlns="" val="1"/>
+                <adec:decorative xmlns="" xmlns:adec="http://schemas.microsoft.com/office/drawing/2017/decorative" val="1"/>
               </a:ext>
             </a:extLst>
           </p:cNvPr>
@@ -5497,7 +5497,7 @@
                 <a16:creationId xmlns:a16="http://schemas.microsoft.com/office/drawing/2014/main" id="{33526770-8F35-FB4A-8638-521D0DA87F6C}"/>
               </a:ext>
               <a:ext uri="{C183D7F6-B498-43B3-948B-1728B52AA6E4}">
-                <adec:decorative xmlns:adec="http://schemas.microsoft.com/office/drawing/2017/decorative" xmlns="" val="1"/>
+                <adec:decorative xmlns="" xmlns:adec="http://schemas.microsoft.com/office/drawing/2017/decorative" val="1"/>
               </a:ext>
             </a:extLst>
           </p:cNvPr>
@@ -5644,7 +5644,7 @@
                 <a16:creationId xmlns:a16="http://schemas.microsoft.com/office/drawing/2014/main" id="{73C08A52-2522-8C40-B8B1-C98FEBB888F7}"/>
               </a:ext>
               <a:ext uri="{C183D7F6-B498-43B3-948B-1728B52AA6E4}">
-                <adec:decorative xmlns:adec="http://schemas.microsoft.com/office/drawing/2017/decorative" xmlns="" val="1"/>
+                <adec:decorative xmlns="" xmlns:adec="http://schemas.microsoft.com/office/drawing/2017/decorative" val="1"/>
               </a:ext>
             </a:extLst>
           </p:cNvPr>
@@ -5791,7 +5791,7 @@
                 <a16:creationId xmlns:a16="http://schemas.microsoft.com/office/drawing/2014/main" id="{9B57CCC6-06B1-7342-99B0-BC7C8FBE5E73}"/>
               </a:ext>
               <a:ext uri="{C183D7F6-B498-43B3-948B-1728B52AA6E4}">
-                <adec:decorative xmlns:adec="http://schemas.microsoft.com/office/drawing/2017/decorative" xmlns="" val="1"/>
+                <adec:decorative xmlns="" xmlns:adec="http://schemas.microsoft.com/office/drawing/2017/decorative" val="1"/>
               </a:ext>
             </a:extLst>
           </p:cNvPr>
@@ -5938,7 +5938,7 @@
                 <a16:creationId xmlns:a16="http://schemas.microsoft.com/office/drawing/2014/main" id="{23C87E7C-5ED2-214E-8A38-ED05177A65DC}"/>
               </a:ext>
               <a:ext uri="{C183D7F6-B498-43B3-948B-1728B52AA6E4}">
-                <adec:decorative xmlns:adec="http://schemas.microsoft.com/office/drawing/2017/decorative" xmlns="" val="1"/>
+                <adec:decorative xmlns="" xmlns:adec="http://schemas.microsoft.com/office/drawing/2017/decorative" val="1"/>
               </a:ext>
             </a:extLst>
           </p:cNvPr>
@@ -6707,7 +6707,7 @@
                 <a16:creationId xmlns:a16="http://schemas.microsoft.com/office/drawing/2014/main" id="{5CABBF0D-1BD1-F9E7-64FF-6B8D87E611B7}"/>
               </a:ext>
               <a:ext uri="{C183D7F6-B498-43B3-948B-1728B52AA6E4}">
-                <adec:decorative xmlns:adec="http://schemas.microsoft.com/office/drawing/2017/decorative" xmlns="" val="1"/>
+                <adec:decorative xmlns="" xmlns:adec="http://schemas.microsoft.com/office/drawing/2017/decorative" val="1"/>
               </a:ext>
             </a:extLst>
           </p:cNvPr>
@@ -7167,7 +7167,7 @@
                 <a16:creationId xmlns:a16="http://schemas.microsoft.com/office/drawing/2014/main" id="{B1C210DC-5DBB-4F0D-875F-CD8AAAB938CE}"/>
               </a:ext>
               <a:ext uri="{C183D7F6-B498-43B3-948B-1728B52AA6E4}">
-                <adec:decorative xmlns:adec="http://schemas.microsoft.com/office/drawing/2017/decorative" xmlns="" val="1"/>
+                <adec:decorative xmlns="" xmlns:adec="http://schemas.microsoft.com/office/drawing/2017/decorative" val="1"/>
               </a:ext>
             </a:extLst>
           </p:cNvPr>
@@ -7366,7 +7366,7 @@
                 <a16:creationId xmlns:a16="http://schemas.microsoft.com/office/drawing/2014/main" id="{6FECF9D0-D7A8-43DD-B38D-E1090C0B322F}"/>
               </a:ext>
               <a:ext uri="{C183D7F6-B498-43B3-948B-1728B52AA6E4}">
-                <adec:decorative xmlns:adec="http://schemas.microsoft.com/office/drawing/2017/decorative" xmlns="" val="1"/>
+                <adec:decorative xmlns="" xmlns:adec="http://schemas.microsoft.com/office/drawing/2017/decorative" val="1"/>
               </a:ext>
             </a:extLst>
           </p:cNvPr>
@@ -7579,7 +7579,7 @@
                 <a16:creationId xmlns:a16="http://schemas.microsoft.com/office/drawing/2014/main" id="{446F04B0-7860-407F-85B7-42E38FAFE34B}"/>
               </a:ext>
               <a:ext uri="{C183D7F6-B498-43B3-948B-1728B52AA6E4}">
-                <adec:decorative xmlns:adec="http://schemas.microsoft.com/office/drawing/2017/decorative" xmlns="" val="1"/>
+                <adec:decorative xmlns="" xmlns:adec="http://schemas.microsoft.com/office/drawing/2017/decorative" val="1"/>
               </a:ext>
             </a:extLst>
           </p:cNvPr>
@@ -8006,7 +8006,7 @@
                 <a16:creationId xmlns:a16="http://schemas.microsoft.com/office/drawing/2014/main" id="{085441A7-EBA5-4ABB-8D29-CE4338F0F9B5}"/>
               </a:ext>
               <a:ext uri="{C183D7F6-B498-43B3-948B-1728B52AA6E4}">
-                <adec:decorative xmlns:adec="http://schemas.microsoft.com/office/drawing/2017/decorative" xmlns="" val="1"/>
+                <adec:decorative xmlns="" xmlns:adec="http://schemas.microsoft.com/office/drawing/2017/decorative" val="1"/>
               </a:ext>
             </a:extLst>
           </p:cNvPr>
@@ -8223,7 +8223,7 @@
                 <a16:creationId xmlns:a16="http://schemas.microsoft.com/office/drawing/2014/main" id="{45D908EF-1F96-4808-A8DB-F55AB9E8E436}"/>
               </a:ext>
               <a:ext uri="{C183D7F6-B498-43B3-948B-1728B52AA6E4}">
-                <adec:decorative xmlns:adec="http://schemas.microsoft.com/office/drawing/2017/decorative" xmlns="" val="1"/>
+                <adec:decorative xmlns="" xmlns:adec="http://schemas.microsoft.com/office/drawing/2017/decorative" val="1"/>
               </a:ext>
             </a:extLst>
           </p:cNvPr>
@@ -8436,7 +8436,7 @@
                 <a16:creationId xmlns:a16="http://schemas.microsoft.com/office/drawing/2014/main" id="{5670C03F-6336-45E3-A9F4-0CD130D80D1B}"/>
               </a:ext>
               <a:ext uri="{C183D7F6-B498-43B3-948B-1728B52AA6E4}">
-                <adec:decorative xmlns:adec="http://schemas.microsoft.com/office/drawing/2017/decorative" xmlns="" val="1"/>
+                <adec:decorative xmlns="" xmlns:adec="http://schemas.microsoft.com/office/drawing/2017/decorative" val="1"/>
               </a:ext>
             </a:extLst>
           </p:cNvPr>
@@ -8649,7 +8649,7 @@
                 <a16:creationId xmlns:a16="http://schemas.microsoft.com/office/drawing/2014/main" id="{3019BB56-AE7C-42CA-A8FF-432F4F176B8B}"/>
               </a:ext>
               <a:ext uri="{C183D7F6-B498-43B3-948B-1728B52AA6E4}">
-                <adec:decorative xmlns:adec="http://schemas.microsoft.com/office/drawing/2017/decorative" xmlns="" val="1"/>
+                <adec:decorative xmlns="" xmlns:adec="http://schemas.microsoft.com/office/drawing/2017/decorative" val="1"/>
               </a:ext>
             </a:extLst>
           </p:cNvPr>
@@ -9076,7 +9076,7 @@
                 <a16:creationId xmlns:a16="http://schemas.microsoft.com/office/drawing/2014/main" id="{A1FDF9D3-5B68-4A75-97BF-2C5113CFAA66}"/>
               </a:ext>
               <a:ext uri="{C183D7F6-B498-43B3-948B-1728B52AA6E4}">
-                <adec:decorative xmlns:adec="http://schemas.microsoft.com/office/drawing/2017/decorative" xmlns="" val="1"/>
+                <adec:decorative xmlns="" xmlns:adec="http://schemas.microsoft.com/office/drawing/2017/decorative" val="1"/>
               </a:ext>
             </a:extLst>
           </p:cNvPr>
@@ -9275,7 +9275,7 @@
                 <a16:creationId xmlns:a16="http://schemas.microsoft.com/office/drawing/2014/main" id="{C551C90A-573F-4E4A-9359-5C7B0F546BF9}"/>
               </a:ext>
               <a:ext uri="{C183D7F6-B498-43B3-948B-1728B52AA6E4}">
-                <adec:decorative xmlns:adec="http://schemas.microsoft.com/office/drawing/2017/decorative" xmlns="" val="1"/>
+                <adec:decorative xmlns="" xmlns:adec="http://schemas.microsoft.com/office/drawing/2017/decorative" val="1"/>
               </a:ext>
             </a:extLst>
           </p:cNvPr>
@@ -9477,7 +9477,7 @@
                 <a16:creationId xmlns:a16="http://schemas.microsoft.com/office/drawing/2014/main" id="{AF79E162-3D8F-4829-A4AD-02A03597B11A}"/>
               </a:ext>
               <a:ext uri="{C183D7F6-B498-43B3-948B-1728B52AA6E4}">
-                <adec:decorative xmlns:adec="http://schemas.microsoft.com/office/drawing/2017/decorative" xmlns="" val="1"/>
+                <adec:decorative xmlns="" xmlns:adec="http://schemas.microsoft.com/office/drawing/2017/decorative" val="1"/>
               </a:ext>
             </a:extLst>
           </p:cNvPr>
@@ -9690,7 +9690,7 @@
                 <a16:creationId xmlns:a16="http://schemas.microsoft.com/office/drawing/2014/main" id="{026B9B36-08E7-4664-970C-13123F24C793}"/>
               </a:ext>
               <a:ext uri="{C183D7F6-B498-43B3-948B-1728B52AA6E4}">
-                <adec:decorative xmlns:adec="http://schemas.microsoft.com/office/drawing/2017/decorative" xmlns="" val="1"/>
+                <adec:decorative xmlns="" xmlns:adec="http://schemas.microsoft.com/office/drawing/2017/decorative" val="1"/>
               </a:ext>
             </a:extLst>
           </p:cNvPr>
@@ -9907,7 +9907,7 @@
                 <a16:creationId xmlns:a16="http://schemas.microsoft.com/office/drawing/2014/main" id="{7EAB1992-E472-4489-8A4E-A8FE45DE10CF}"/>
               </a:ext>
               <a:ext uri="{C183D7F6-B498-43B3-948B-1728B52AA6E4}">
-                <adec:decorative xmlns:adec="http://schemas.microsoft.com/office/drawing/2017/decorative" xmlns="" val="1"/>
+                <adec:decorative xmlns="" xmlns:adec="http://schemas.microsoft.com/office/drawing/2017/decorative" val="1"/>
               </a:ext>
             </a:extLst>
           </p:cNvPr>
@@ -10481,7 +10481,7 @@
           <a:blip r:embed="rId3">
             <a:extLst>
               <a:ext uri="{96DAC541-7B7A-43D3-8B79-37D633B846F1}">
-                <asvg:svgBlip xmlns:asvg="http://schemas.microsoft.com/office/drawing/2016/SVG/main" xmlns="" r:embed="rId4"/>
+                <asvg:svgBlip xmlns="" xmlns:asvg="http://schemas.microsoft.com/office/drawing/2016/SVG/main" r:embed="rId4"/>
               </a:ext>
             </a:extLst>
           </a:blip>
@@ -10666,7 +10666,7 @@
           <a:blip r:embed="rId3">
             <a:extLst>
               <a:ext uri="{96DAC541-7B7A-43D3-8B79-37D633B846F1}">
-                <asvg:svgBlip xmlns:asvg="http://schemas.microsoft.com/office/drawing/2016/SVG/main" xmlns="" r:embed="rId4"/>
+                <asvg:svgBlip xmlns="" xmlns:asvg="http://schemas.microsoft.com/office/drawing/2016/SVG/main" r:embed="rId4"/>
               </a:ext>
             </a:extLst>
           </a:blip>
@@ -10928,7 +10928,7 @@
           <a:blip r:embed="rId2">
             <a:extLst>
               <a:ext uri="{96DAC541-7B7A-43D3-8B79-37D633B846F1}">
-                <asvg:svgBlip xmlns:asvg="http://schemas.microsoft.com/office/drawing/2016/SVG/main" xmlns="" r:embed="rId3"/>
+                <asvg:svgBlip xmlns="" xmlns:asvg="http://schemas.microsoft.com/office/drawing/2016/SVG/main" r:embed="rId3"/>
               </a:ext>
             </a:extLst>
           </a:blip>
@@ -11181,7 +11181,7 @@
                 <a16:creationId xmlns:a16="http://schemas.microsoft.com/office/drawing/2014/main" id="{B59E37DB-3217-4772-AE8E-E9673A139975}"/>
               </a:ext>
               <a:ext uri="{C183D7F6-B498-43B3-948B-1728B52AA6E4}">
-                <adec:decorative xmlns:adec="http://schemas.microsoft.com/office/drawing/2017/decorative" xmlns="" val="1"/>
+                <adec:decorative xmlns="" xmlns:adec="http://schemas.microsoft.com/office/drawing/2017/decorative" val="1"/>
               </a:ext>
             </a:extLst>
           </p:cNvPr>
@@ -11230,7 +11230,7 @@
                 <a16:creationId xmlns:a16="http://schemas.microsoft.com/office/drawing/2014/main" id="{F0DFE264-D676-EA48-BBA7-F4F0331FA268}"/>
               </a:ext>
               <a:ext uri="{C183D7F6-B498-43B3-948B-1728B52AA6E4}">
-                <adec:decorative xmlns:adec="http://schemas.microsoft.com/office/drawing/2017/decorative" xmlns="" val="1"/>
+                <adec:decorative xmlns="" xmlns:adec="http://schemas.microsoft.com/office/drawing/2017/decorative" val="1"/>
               </a:ext>
             </a:extLst>
           </p:cNvPr>
@@ -11333,7 +11333,7 @@
                 <a16:creationId xmlns:a16="http://schemas.microsoft.com/office/drawing/2014/main" id="{A0BB7D6E-2488-A644-A910-415B17221FBC}"/>
               </a:ext>
               <a:ext uri="{C183D7F6-B498-43B3-948B-1728B52AA6E4}">
-                <adec:decorative xmlns:adec="http://schemas.microsoft.com/office/drawing/2017/decorative" xmlns="" val="1"/>
+                <adec:decorative xmlns="" xmlns:adec="http://schemas.microsoft.com/office/drawing/2017/decorative" val="1"/>
               </a:ext>
             </a:extLst>
           </p:cNvPr>
@@ -16282,7 +16282,7 @@
           <a:blip r:embed="rId2">
             <a:extLst>
               <a:ext uri="{96DAC541-7B7A-43D3-8B79-37D633B846F1}">
-                <asvg:svgBlip xmlns:asvg="http://schemas.microsoft.com/office/drawing/2016/SVG/main" xmlns="" r:embed="rId3"/>
+                <asvg:svgBlip xmlns="" xmlns:asvg="http://schemas.microsoft.com/office/drawing/2016/SVG/main" r:embed="rId3"/>
               </a:ext>
             </a:extLst>
           </a:blip>
@@ -18841,7 +18841,7 @@
           <a:blip r:embed="rId28">
             <a:extLst>
               <a:ext uri="{96DAC541-7B7A-43D3-8B79-37D633B846F1}">
-                <asvg:svgBlip xmlns:asvg="http://schemas.microsoft.com/office/drawing/2016/SVG/main" xmlns="" r:embed="rId29"/>
+                <asvg:svgBlip xmlns="" xmlns:asvg="http://schemas.microsoft.com/office/drawing/2016/SVG/main" r:embed="rId29"/>
               </a:ext>
             </a:extLst>
           </a:blip>
@@ -21200,6 +21200,66 @@
           </a:p>
         </p:txBody>
       </p:sp>
+      <p:pic>
+        <p:nvPicPr>
+          <p:cNvPr id="5" name="Picture 4"/>
+          <p:cNvPicPr>
+            <a:picLocks noChangeAspect="1"/>
+          </p:cNvPicPr>
+          <p:nvPr/>
+        </p:nvPicPr>
+        <p:blipFill>
+          <a:blip r:embed="rId2"/>
+          <a:stretch>
+            <a:fillRect/>
+          </a:stretch>
+        </p:blipFill>
+        <p:spPr>
+          <a:xfrm>
+            <a:off x="7945457" y="473904"/>
+            <a:ext cx="3392631" cy="3176872"/>
+          </a:xfrm>
+          <a:prstGeom prst="rect">
+            <a:avLst/>
+          </a:prstGeom>
+        </p:spPr>
+      </p:pic>
+      <p:sp>
+        <p:nvSpPr>
+          <p:cNvPr id="6" name="TextBox 5"/>
+          <p:cNvSpPr txBox="1"/>
+          <p:nvPr/>
+        </p:nvSpPr>
+        <p:spPr>
+          <a:xfrm>
+            <a:off x="8589955" y="3559488"/>
+            <a:ext cx="2103634" cy="430118"/>
+          </a:xfrm>
+          <a:prstGeom prst="rect">
+            <a:avLst/>
+          </a:prstGeom>
+          <a:noFill/>
+        </p:spPr>
+        <p:txBody>
+          <a:bodyPr wrap="square" lIns="0" tIns="0" rIns="0" bIns="0" rtlCol="0">
+            <a:spAutoFit/>
+          </a:bodyPr>
+          <a:lstStyle/>
+          <a:p>
+            <a:pPr algn="l">
+              <a:lnSpc>
+                <a:spcPct val="130000"/>
+              </a:lnSpc>
+            </a:pPr>
+            <a:r>
+              <a:rPr lang="en-US" sz="2400" dirty="0">
+                <a:latin typeface="+mj-lt"/>
+              </a:rPr>
+              <a:t>Slides &amp; Code</a:t>
+            </a:r>
+          </a:p>
+        </p:txBody>
+      </p:sp>
     </p:spTree>
     <p:extLst>
       <p:ext uri="{BB962C8B-B14F-4D97-AF65-F5344CB8AC3E}">
@@ -23272,7 +23332,30 @@
                   <a:schemeClr val="bg1"/>
                 </a:solidFill>
               </a:rPr>
-              <a:t>Write PowerShell to source all the Private and Public functions</a:t>
+              <a:t>Write PowerShell to source all the Private and Public </a:t>
+            </a:r>
+            <a:r>
+              <a:rPr lang="en-US" sz="1200" dirty="0" smtClean="0">
+                <a:solidFill>
+                  <a:schemeClr val="bg1"/>
+                </a:solidFill>
+              </a:rPr>
+              <a:t>functions from separate directories.</a:t>
+            </a:r>
+          </a:p>
+          <a:p>
+            <a:pPr algn="ctr">
+              <a:spcAft>
+                <a:spcPts val="600"/>
+              </a:spcAft>
+            </a:pPr>
+            <a:r>
+              <a:rPr lang="en-US" sz="1200" dirty="0" smtClean="0">
+                <a:solidFill>
+                  <a:schemeClr val="bg1"/>
+                </a:solidFill>
+              </a:rPr>
+              <a:t>One function per file.</a:t>
             </a:r>
             <a:endParaRPr lang="en-US" sz="1200" dirty="0">
               <a:solidFill>
@@ -24231,15 +24314,6 @@
 </file>
 
 <file path=customXml/item1.xml><?xml version="1.0" encoding="utf-8"?>
-<?mso-contentType ?>
-<FormTemplates xmlns="http://schemas.microsoft.com/sharepoint/v3/contenttype/forms">
-  <Display>DocumentLibraryForm</Display>
-  <Edit>DocumentLibraryForm</Edit>
-  <New>DocumentLibraryForm</New>
-</FormTemplates>
-</file>
-
-<file path=customXml/item2.xml><?xml version="1.0" encoding="utf-8"?>
 <p:properties xmlns:p="http://schemas.microsoft.com/office/2006/metadata/properties" xmlns:xsi="http://www.w3.org/2001/XMLSchema-instance" xmlns:pc="http://schemas.microsoft.com/office/infopath/2007/PartnerControls">
   <documentManagement>
     <lcf76f155ced4ddcb4097134ff3c332f xmlns="34d4d772-b3f2-47fc-9a2d-2126f9957ae8">
@@ -24260,6 +24334,15 @@
     </SharedWithUsers>
   </documentManagement>
 </p:properties>
+</file>
+
+<file path=customXml/item2.xml><?xml version="1.0" encoding="utf-8"?>
+<?mso-contentType ?>
+<FormTemplates xmlns="http://schemas.microsoft.com/sharepoint/v3/contenttype/forms">
+  <Display>DocumentLibraryForm</Display>
+  <Edit>DocumentLibraryForm</Edit>
+  <New>DocumentLibraryForm</New>
+</FormTemplates>
 </file>
 
 <file path=customXml/item3.xml><?xml version="1.0" encoding="utf-8"?>
@@ -24498,14 +24581,6 @@
 </file>
 
 <file path=customXml/itemProps1.xml><?xml version="1.0" encoding="utf-8"?>
-<ds:datastoreItem xmlns:ds="http://schemas.openxmlformats.org/officeDocument/2006/customXml" ds:itemID="{BAD99180-4DF7-4231-B572-5E5D5B192DA4}">
-  <ds:schemaRefs>
-    <ds:schemaRef ds:uri="http://schemas.microsoft.com/sharepoint/v3/contenttype/forms"/>
-  </ds:schemaRefs>
-</ds:datastoreItem>
-</file>
-
-<file path=customXml/itemProps2.xml><?xml version="1.0" encoding="utf-8"?>
 <ds:datastoreItem xmlns:ds="http://schemas.openxmlformats.org/officeDocument/2006/customXml" ds:itemID="{51634573-F7D8-4ECC-B5FF-91D1E5D2E650}">
   <ds:schemaRefs>
     <ds:schemaRef ds:uri="34d4d772-b3f2-47fc-9a2d-2126f9957ae8"/>
@@ -24518,6 +24593,14 @@
     <ds:schemaRef ds:uri="http://schemas.microsoft.com/office/infopath/2007/PartnerControls"/>
     <ds:schemaRef ds:uri="http://schemas.openxmlformats.org/package/2006/metadata/core-properties"/>
     <ds:schemaRef ds:uri="http://www.w3.org/XML/1998/namespace"/>
+  </ds:schemaRefs>
+</ds:datastoreItem>
+</file>
+
+<file path=customXml/itemProps2.xml><?xml version="1.0" encoding="utf-8"?>
+<ds:datastoreItem xmlns:ds="http://schemas.openxmlformats.org/officeDocument/2006/customXml" ds:itemID="{BAD99180-4DF7-4231-B572-5E5D5B192DA4}">
+  <ds:schemaRefs>
+    <ds:schemaRef ds:uri="http://schemas.microsoft.com/sharepoint/v3/contenttype/forms"/>
   </ds:schemaRefs>
 </ds:datastoreItem>
 </file>
